--- a/연구실_로고_PPT템플릿/[SIMPLE]_CryptoCraft Lab PPT 양식.pptx
+++ b/연구실_로고_PPT템플릿/[SIMPLE]_CryptoCraft Lab PPT 양식.pptx
@@ -13,7 +13,7 @@
   </p:handoutMasterIdLst>
   <p:sldIdLst>
     <p:sldId id="269" r:id="rId3"/>
-    <p:sldId id="270" r:id="rId4"/>
+    <p:sldId id="275" r:id="rId4"/>
     <p:sldId id="271" r:id="rId5"/>
     <p:sldId id="274" r:id="rId6"/>
   </p:sldIdLst>
@@ -993,7 +993,7 @@
         </p:blipFill>
         <p:spPr>
           <a:xfrm>
-            <a:off x="10880202" y="6078693"/>
+            <a:off x="10895097" y="6128121"/>
             <a:ext cx="1311798" cy="642780"/>
           </a:xfrm>
           <a:prstGeom prst="rect">
@@ -1360,68 +1360,6 @@
       </p:cxnSp>
       <p:sp>
         <p:nvSpPr>
-          <p:cNvPr id="3" name="텍스트 개체 틀 2"/>
-          <p:cNvSpPr>
-            <a:spLocks noGrp="1"/>
-          </p:cNvSpPr>
-          <p:nvPr>
-            <p:ph type="body" sz="quarter" idx="10" hasCustomPrompt="1"/>
-          </p:nvPr>
-        </p:nvSpPr>
-        <p:spPr>
-          <a:xfrm>
-            <a:off x="3545110" y="1217530"/>
-            <a:ext cx="635000" cy="718952"/>
-          </a:xfrm>
-          <a:solidFill>
-            <a:schemeClr val="accent1">
-              <a:lumMod val="75000"/>
-            </a:schemeClr>
-          </a:solidFill>
-          <a:ln w="28575">
-            <a:solidFill>
-              <a:schemeClr val="accent1">
-                <a:lumMod val="75000"/>
-              </a:schemeClr>
-            </a:solidFill>
-          </a:ln>
-        </p:spPr>
-        <p:txBody>
-          <a:bodyPr anchor="ctr">
-            <a:normAutofit/>
-          </a:bodyPr>
-          <a:lstStyle>
-            <a:lvl1pPr marL="0" indent="0" algn="ctr">
-              <a:buNone/>
-              <a:defRPr sz="3200">
-                <a:solidFill>
-                  <a:schemeClr val="bg1"/>
-                </a:solidFill>
-                <a:latin typeface="+mn-ea"/>
-                <a:ea typeface="+mn-ea"/>
-              </a:defRPr>
-            </a:lvl1pPr>
-          </a:lstStyle>
-          <a:p>
-            <a:pPr algn="ctr"/>
-            <a:r>
-              <a:rPr lang="ko-KR" altLang="en-US" sz="2800" smtClean="0">
-                <a:solidFill>
-                  <a:schemeClr val="bg1"/>
-                </a:solidFill>
-              </a:rPr>
-              <a:t>숫자</a:t>
-            </a:r>
-            <a:endParaRPr lang="ko-KR" altLang="en-US" sz="2800" dirty="0">
-              <a:solidFill>
-                <a:schemeClr val="bg1"/>
-              </a:solidFill>
-            </a:endParaRPr>
-          </a:p>
-        </p:txBody>
-      </p:sp>
-      <p:sp>
-        <p:nvSpPr>
           <p:cNvPr id="5" name="텍스트 개체 틀 4"/>
           <p:cNvSpPr>
             <a:spLocks noGrp="1"/>
@@ -1432,8 +1370,8 @@
         </p:nvSpPr>
         <p:spPr>
           <a:xfrm>
-            <a:off x="4283676" y="1217530"/>
-            <a:ext cx="7199192" cy="718952"/>
+            <a:off x="3797638" y="1217530"/>
+            <a:ext cx="7380430" cy="718952"/>
           </a:xfrm>
           <a:ln w="28575">
             <a:noFill/>
@@ -1482,7 +1420,7 @@
         </p:nvSpPr>
         <p:spPr>
           <a:xfrm>
-            <a:off x="4102442" y="1217530"/>
+            <a:off x="3797642" y="1217530"/>
             <a:ext cx="7380425" cy="718952"/>
           </a:xfrm>
           <a:prstGeom prst="rect">
@@ -1527,68 +1465,6 @@
       </p:sp>
       <p:sp>
         <p:nvSpPr>
-          <p:cNvPr id="69" name="텍스트 개체 틀 2"/>
-          <p:cNvSpPr>
-            <a:spLocks noGrp="1"/>
-          </p:cNvSpPr>
-          <p:nvPr>
-            <p:ph type="body" sz="quarter" idx="24" hasCustomPrompt="1"/>
-          </p:nvPr>
-        </p:nvSpPr>
-        <p:spPr>
-          <a:xfrm>
-            <a:off x="3545108" y="2133371"/>
-            <a:ext cx="635000" cy="718952"/>
-          </a:xfrm>
-          <a:solidFill>
-            <a:schemeClr val="accent1">
-              <a:lumMod val="75000"/>
-            </a:schemeClr>
-          </a:solidFill>
-          <a:ln w="28575">
-            <a:solidFill>
-              <a:schemeClr val="accent1">
-                <a:lumMod val="75000"/>
-              </a:schemeClr>
-            </a:solidFill>
-          </a:ln>
-        </p:spPr>
-        <p:txBody>
-          <a:bodyPr anchor="ctr">
-            <a:normAutofit/>
-          </a:bodyPr>
-          <a:lstStyle>
-            <a:lvl1pPr marL="0" indent="0" algn="ctr">
-              <a:buNone/>
-              <a:defRPr sz="3200">
-                <a:solidFill>
-                  <a:schemeClr val="bg1"/>
-                </a:solidFill>
-                <a:latin typeface="+mn-ea"/>
-                <a:ea typeface="+mn-ea"/>
-              </a:defRPr>
-            </a:lvl1pPr>
-          </a:lstStyle>
-          <a:p>
-            <a:pPr algn="ctr"/>
-            <a:r>
-              <a:rPr lang="ko-KR" altLang="en-US" sz="2800" smtClean="0">
-                <a:solidFill>
-                  <a:schemeClr val="bg1"/>
-                </a:solidFill>
-              </a:rPr>
-              <a:t>숫자</a:t>
-            </a:r>
-            <a:endParaRPr lang="ko-KR" altLang="en-US" sz="2800" dirty="0">
-              <a:solidFill>
-                <a:schemeClr val="bg1"/>
-              </a:solidFill>
-            </a:endParaRPr>
-          </a:p>
-        </p:txBody>
-      </p:sp>
-      <p:sp>
-        <p:nvSpPr>
           <p:cNvPr id="70" name="텍스트 개체 틀 4"/>
           <p:cNvSpPr>
             <a:spLocks noGrp="1"/>
@@ -1599,8 +1475,8 @@
         </p:nvSpPr>
         <p:spPr>
           <a:xfrm>
-            <a:off x="4283674" y="2133371"/>
-            <a:ext cx="7199192" cy="718952"/>
+            <a:off x="3797638" y="2133371"/>
+            <a:ext cx="7380428" cy="718952"/>
           </a:xfrm>
           <a:ln w="28575">
             <a:noFill/>
@@ -1649,7 +1525,7 @@
         </p:nvSpPr>
         <p:spPr>
           <a:xfrm>
-            <a:off x="4102440" y="2133371"/>
+            <a:off x="3797640" y="2133371"/>
             <a:ext cx="7380425" cy="718952"/>
           </a:xfrm>
           <a:prstGeom prst="rect">
@@ -1694,68 +1570,6 @@
       </p:sp>
       <p:sp>
         <p:nvSpPr>
-          <p:cNvPr id="75" name="텍스트 개체 틀 2"/>
-          <p:cNvSpPr>
-            <a:spLocks noGrp="1"/>
-          </p:cNvSpPr>
-          <p:nvPr>
-            <p:ph type="body" sz="quarter" idx="26" hasCustomPrompt="1"/>
-          </p:nvPr>
-        </p:nvSpPr>
-        <p:spPr>
-          <a:xfrm>
-            <a:off x="3545108" y="3052552"/>
-            <a:ext cx="635000" cy="718952"/>
-          </a:xfrm>
-          <a:solidFill>
-            <a:schemeClr val="accent1">
-              <a:lumMod val="75000"/>
-            </a:schemeClr>
-          </a:solidFill>
-          <a:ln w="28575">
-            <a:solidFill>
-              <a:schemeClr val="accent1">
-                <a:lumMod val="75000"/>
-              </a:schemeClr>
-            </a:solidFill>
-          </a:ln>
-        </p:spPr>
-        <p:txBody>
-          <a:bodyPr anchor="ctr">
-            <a:normAutofit/>
-          </a:bodyPr>
-          <a:lstStyle>
-            <a:lvl1pPr marL="0" indent="0" algn="ctr">
-              <a:buNone/>
-              <a:defRPr sz="3200">
-                <a:solidFill>
-                  <a:schemeClr val="bg1"/>
-                </a:solidFill>
-                <a:latin typeface="+mn-ea"/>
-                <a:ea typeface="+mn-ea"/>
-              </a:defRPr>
-            </a:lvl1pPr>
-          </a:lstStyle>
-          <a:p>
-            <a:pPr algn="ctr"/>
-            <a:r>
-              <a:rPr lang="ko-KR" altLang="en-US" sz="2800" smtClean="0">
-                <a:solidFill>
-                  <a:schemeClr val="bg1"/>
-                </a:solidFill>
-              </a:rPr>
-              <a:t>숫자</a:t>
-            </a:r>
-            <a:endParaRPr lang="ko-KR" altLang="en-US" sz="2800" dirty="0">
-              <a:solidFill>
-                <a:schemeClr val="bg1"/>
-              </a:solidFill>
-            </a:endParaRPr>
-          </a:p>
-        </p:txBody>
-      </p:sp>
-      <p:sp>
-        <p:nvSpPr>
           <p:cNvPr id="76" name="텍스트 개체 틀 4"/>
           <p:cNvSpPr>
             <a:spLocks noGrp="1"/>
@@ -1766,8 +1580,8 @@
         </p:nvSpPr>
         <p:spPr>
           <a:xfrm>
-            <a:off x="4283674" y="3052552"/>
-            <a:ext cx="7199192" cy="718952"/>
+            <a:off x="3797638" y="3052552"/>
+            <a:ext cx="7380428" cy="718952"/>
           </a:xfrm>
           <a:ln w="28575">
             <a:noFill/>
@@ -1816,7 +1630,7 @@
         </p:nvSpPr>
         <p:spPr>
           <a:xfrm>
-            <a:off x="4102440" y="3052552"/>
+            <a:off x="3797640" y="3052552"/>
             <a:ext cx="7380425" cy="718952"/>
           </a:xfrm>
           <a:prstGeom prst="rect">
@@ -1861,68 +1675,6 @@
       </p:sp>
       <p:sp>
         <p:nvSpPr>
-          <p:cNvPr id="78" name="텍스트 개체 틀 2"/>
-          <p:cNvSpPr>
-            <a:spLocks noGrp="1"/>
-          </p:cNvSpPr>
-          <p:nvPr>
-            <p:ph type="body" sz="quarter" idx="28" hasCustomPrompt="1"/>
-          </p:nvPr>
-        </p:nvSpPr>
-        <p:spPr>
-          <a:xfrm>
-            <a:off x="3545107" y="3968393"/>
-            <a:ext cx="635000" cy="718952"/>
-          </a:xfrm>
-          <a:solidFill>
-            <a:schemeClr val="accent1">
-              <a:lumMod val="75000"/>
-            </a:schemeClr>
-          </a:solidFill>
-          <a:ln w="28575">
-            <a:solidFill>
-              <a:schemeClr val="accent1">
-                <a:lumMod val="75000"/>
-              </a:schemeClr>
-            </a:solidFill>
-          </a:ln>
-        </p:spPr>
-        <p:txBody>
-          <a:bodyPr anchor="ctr">
-            <a:normAutofit/>
-          </a:bodyPr>
-          <a:lstStyle>
-            <a:lvl1pPr marL="0" indent="0" algn="ctr">
-              <a:buNone/>
-              <a:defRPr sz="3200">
-                <a:solidFill>
-                  <a:schemeClr val="bg1"/>
-                </a:solidFill>
-                <a:latin typeface="+mn-ea"/>
-                <a:ea typeface="+mn-ea"/>
-              </a:defRPr>
-            </a:lvl1pPr>
-          </a:lstStyle>
-          <a:p>
-            <a:pPr algn="ctr"/>
-            <a:r>
-              <a:rPr lang="ko-KR" altLang="en-US" sz="2800" smtClean="0">
-                <a:solidFill>
-                  <a:schemeClr val="bg1"/>
-                </a:solidFill>
-              </a:rPr>
-              <a:t>숫자</a:t>
-            </a:r>
-            <a:endParaRPr lang="ko-KR" altLang="en-US" sz="2800" dirty="0">
-              <a:solidFill>
-                <a:schemeClr val="bg1"/>
-              </a:solidFill>
-            </a:endParaRPr>
-          </a:p>
-        </p:txBody>
-      </p:sp>
-      <p:sp>
-        <p:nvSpPr>
           <p:cNvPr id="79" name="텍스트 개체 틀 4"/>
           <p:cNvSpPr>
             <a:spLocks noGrp="1"/>
@@ -1933,8 +1685,8 @@
         </p:nvSpPr>
         <p:spPr>
           <a:xfrm>
-            <a:off x="4283673" y="3968393"/>
-            <a:ext cx="7199192" cy="718952"/>
+            <a:off x="3797638" y="3968393"/>
+            <a:ext cx="7380427" cy="718952"/>
           </a:xfrm>
           <a:ln w="28575">
             <a:noFill/>
@@ -1983,7 +1735,7 @@
         </p:nvSpPr>
         <p:spPr>
           <a:xfrm>
-            <a:off x="4102439" y="3968393"/>
+            <a:off x="3797639" y="3968393"/>
             <a:ext cx="7380425" cy="718952"/>
           </a:xfrm>
           <a:prstGeom prst="rect">
@@ -2028,68 +1780,6 @@
       </p:sp>
       <p:sp>
         <p:nvSpPr>
-          <p:cNvPr id="81" name="텍스트 개체 틀 2"/>
-          <p:cNvSpPr>
-            <a:spLocks noGrp="1"/>
-          </p:cNvSpPr>
-          <p:nvPr>
-            <p:ph type="body" sz="quarter" idx="30" hasCustomPrompt="1"/>
-          </p:nvPr>
-        </p:nvSpPr>
-        <p:spPr>
-          <a:xfrm>
-            <a:off x="3545106" y="4884234"/>
-            <a:ext cx="635000" cy="718952"/>
-          </a:xfrm>
-          <a:solidFill>
-            <a:schemeClr val="accent1">
-              <a:lumMod val="75000"/>
-            </a:schemeClr>
-          </a:solidFill>
-          <a:ln w="28575">
-            <a:solidFill>
-              <a:schemeClr val="accent1">
-                <a:lumMod val="75000"/>
-              </a:schemeClr>
-            </a:solidFill>
-          </a:ln>
-        </p:spPr>
-        <p:txBody>
-          <a:bodyPr anchor="ctr">
-            <a:normAutofit/>
-          </a:bodyPr>
-          <a:lstStyle>
-            <a:lvl1pPr marL="0" indent="0" algn="ctr">
-              <a:buNone/>
-              <a:defRPr sz="3200">
-                <a:solidFill>
-                  <a:schemeClr val="bg1"/>
-                </a:solidFill>
-                <a:latin typeface="+mn-ea"/>
-                <a:ea typeface="+mn-ea"/>
-              </a:defRPr>
-            </a:lvl1pPr>
-          </a:lstStyle>
-          <a:p>
-            <a:pPr algn="ctr"/>
-            <a:r>
-              <a:rPr lang="ko-KR" altLang="en-US" sz="2800" smtClean="0">
-                <a:solidFill>
-                  <a:schemeClr val="bg1"/>
-                </a:solidFill>
-              </a:rPr>
-              <a:t>숫자</a:t>
-            </a:r>
-            <a:endParaRPr lang="ko-KR" altLang="en-US" sz="2800" dirty="0">
-              <a:solidFill>
-                <a:schemeClr val="bg1"/>
-              </a:solidFill>
-            </a:endParaRPr>
-          </a:p>
-        </p:txBody>
-      </p:sp>
-      <p:sp>
-        <p:nvSpPr>
           <p:cNvPr id="82" name="텍스트 개체 틀 4"/>
           <p:cNvSpPr>
             <a:spLocks noGrp="1"/>
@@ -2100,8 +1790,8 @@
         </p:nvSpPr>
         <p:spPr>
           <a:xfrm>
-            <a:off x="4283672" y="4884234"/>
-            <a:ext cx="7199192" cy="718952"/>
+            <a:off x="3797638" y="4884234"/>
+            <a:ext cx="7380426" cy="718952"/>
           </a:xfrm>
           <a:ln w="28575">
             <a:noFill/>
@@ -2150,7 +1840,7 @@
         </p:nvSpPr>
         <p:spPr>
           <a:xfrm>
-            <a:off x="4102438" y="4884234"/>
+            <a:off x="3797638" y="4884234"/>
             <a:ext cx="7380425" cy="718952"/>
           </a:xfrm>
           <a:prstGeom prst="rect">
@@ -3582,7 +3272,7 @@
             <a:spLocks noGrp="1"/>
           </p:cNvSpPr>
           <p:nvPr>
-            <p:ph type="body" sz="quarter" idx="10"/>
+            <p:ph type="body" sz="quarter" idx="11"/>
           </p:nvPr>
         </p:nvSpPr>
         <p:spPr/>
@@ -3590,51 +3280,13 @@
           <a:bodyPr/>
           <a:lstStyle/>
           <a:p>
-            <a:endParaRPr lang="ko-KR" altLang="en-US" dirty="0"/>
+            <a:endParaRPr lang="ko-KR" altLang="en-US"/>
           </a:p>
         </p:txBody>
       </p:sp>
       <p:sp>
         <p:nvSpPr>
           <p:cNvPr id="3" name="텍스트 개체 틀 2"/>
-          <p:cNvSpPr>
-            <a:spLocks noGrp="1"/>
-          </p:cNvSpPr>
-          <p:nvPr>
-            <p:ph type="body" sz="quarter" idx="11"/>
-          </p:nvPr>
-        </p:nvSpPr>
-        <p:spPr/>
-        <p:txBody>
-          <a:bodyPr/>
-          <a:lstStyle/>
-          <a:p>
-            <a:endParaRPr lang="ko-KR" altLang="en-US" dirty="0"/>
-          </a:p>
-        </p:txBody>
-      </p:sp>
-      <p:sp>
-        <p:nvSpPr>
-          <p:cNvPr id="4" name="텍스트 개체 틀 3"/>
-          <p:cNvSpPr>
-            <a:spLocks noGrp="1"/>
-          </p:cNvSpPr>
-          <p:nvPr>
-            <p:ph type="body" sz="quarter" idx="24"/>
-          </p:nvPr>
-        </p:nvSpPr>
-        <p:spPr/>
-        <p:txBody>
-          <a:bodyPr/>
-          <a:lstStyle/>
-          <a:p>
-            <a:endParaRPr lang="ko-KR" altLang="en-US" dirty="0"/>
-          </a:p>
-        </p:txBody>
-      </p:sp>
-      <p:sp>
-        <p:nvSpPr>
-          <p:cNvPr id="5" name="텍스트 개체 틀 4"/>
           <p:cNvSpPr>
             <a:spLocks noGrp="1"/>
           </p:cNvSpPr>
@@ -3647,32 +3299,13 @@
           <a:bodyPr/>
           <a:lstStyle/>
           <a:p>
-            <a:endParaRPr lang="ko-KR" altLang="en-US" dirty="0"/>
-          </a:p>
-        </p:txBody>
-      </p:sp>
-      <p:sp>
-        <p:nvSpPr>
-          <p:cNvPr id="6" name="텍스트 개체 틀 5"/>
-          <p:cNvSpPr>
-            <a:spLocks noGrp="1"/>
-          </p:cNvSpPr>
-          <p:nvPr>
-            <p:ph type="body" sz="quarter" idx="26"/>
-          </p:nvPr>
-        </p:nvSpPr>
-        <p:spPr/>
-        <p:txBody>
-          <a:bodyPr/>
-          <a:lstStyle/>
-          <a:p>
-            <a:endParaRPr lang="ko-KR" altLang="en-US" dirty="0"/>
-          </a:p>
-        </p:txBody>
-      </p:sp>
-      <p:sp>
-        <p:nvSpPr>
-          <p:cNvPr id="7" name="텍스트 개체 틀 6"/>
+            <a:endParaRPr lang="ko-KR" altLang="en-US"/>
+          </a:p>
+        </p:txBody>
+      </p:sp>
+      <p:sp>
+        <p:nvSpPr>
+          <p:cNvPr id="4" name="텍스트 개체 틀 3"/>
           <p:cNvSpPr>
             <a:spLocks noGrp="1"/>
           </p:cNvSpPr>
@@ -3685,32 +3318,13 @@
           <a:bodyPr/>
           <a:lstStyle/>
           <a:p>
-            <a:endParaRPr lang="ko-KR" altLang="en-US" dirty="0"/>
-          </a:p>
-        </p:txBody>
-      </p:sp>
-      <p:sp>
-        <p:nvSpPr>
-          <p:cNvPr id="8" name="텍스트 개체 틀 7"/>
-          <p:cNvSpPr>
-            <a:spLocks noGrp="1"/>
-          </p:cNvSpPr>
-          <p:nvPr>
-            <p:ph type="body" sz="quarter" idx="28"/>
-          </p:nvPr>
-        </p:nvSpPr>
-        <p:spPr/>
-        <p:txBody>
-          <a:bodyPr/>
-          <a:lstStyle/>
-          <a:p>
             <a:endParaRPr lang="ko-KR" altLang="en-US"/>
           </a:p>
         </p:txBody>
       </p:sp>
       <p:sp>
         <p:nvSpPr>
-          <p:cNvPr id="9" name="텍스트 개체 틀 8"/>
+          <p:cNvPr id="5" name="텍스트 개체 틀 4"/>
           <p:cNvSpPr>
             <a:spLocks noGrp="1"/>
           </p:cNvSpPr>
@@ -3729,26 +3343,7 @@
       </p:sp>
       <p:sp>
         <p:nvSpPr>
-          <p:cNvPr id="10" name="텍스트 개체 틀 9"/>
-          <p:cNvSpPr>
-            <a:spLocks noGrp="1"/>
-          </p:cNvSpPr>
-          <p:nvPr>
-            <p:ph type="body" sz="quarter" idx="30"/>
-          </p:nvPr>
-        </p:nvSpPr>
-        <p:spPr/>
-        <p:txBody>
-          <a:bodyPr/>
-          <a:lstStyle/>
-          <a:p>
-            <a:endParaRPr lang="ko-KR" altLang="en-US"/>
-          </a:p>
-        </p:txBody>
-      </p:sp>
-      <p:sp>
-        <p:nvSpPr>
-          <p:cNvPr id="11" name="텍스트 개체 틀 10"/>
+          <p:cNvPr id="6" name="텍스트 개체 틀 5"/>
           <p:cNvSpPr>
             <a:spLocks noGrp="1"/>
           </p:cNvSpPr>
@@ -3768,20 +3363,13 @@
     </p:spTree>
     <p:extLst>
       <p:ext uri="{BB962C8B-B14F-4D97-AF65-F5344CB8AC3E}">
-        <p14:creationId xmlns:p14="http://schemas.microsoft.com/office/powerpoint/2010/main" val="1175700655"/>
+        <p14:creationId xmlns:p14="http://schemas.microsoft.com/office/powerpoint/2010/main" val="575598755"/>
       </p:ext>
     </p:extLst>
   </p:cSld>
   <p:clrMapOvr>
     <a:masterClrMapping/>
   </p:clrMapOvr>
-  <p:timing>
-    <p:tnLst>
-      <p:par>
-        <p:cTn id="1" dur="indefinite" restart="never" nodeType="tmRoot"/>
-      </p:par>
-    </p:tnLst>
-  </p:timing>
 </p:sld>
 </file>
 

--- a/연구실_로고_PPT템플릿/[SIMPLE]_CryptoCraft Lab PPT 양식.pptx
+++ b/연구실_로고_PPT템플릿/[SIMPLE]_CryptoCraft Lab PPT 양식.pptx
@@ -993,7 +993,7 @@
         </p:blipFill>
         <p:spPr>
           <a:xfrm>
-            <a:off x="10895097" y="6128121"/>
+            <a:off x="10730337" y="6128121"/>
             <a:ext cx="1311798" cy="642780"/>
           </a:xfrm>
           <a:prstGeom prst="rect">
@@ -1009,7 +1009,7 @@
         </p:nvSpPr>
         <p:spPr>
           <a:xfrm>
-            <a:off x="10880202" y="6627168"/>
+            <a:off x="10715442" y="6627168"/>
             <a:ext cx="1358064" cy="230832"/>
           </a:xfrm>
           <a:prstGeom prst="rect">
@@ -1991,7 +1991,7 @@
         </p:nvSpPr>
         <p:spPr>
           <a:xfrm>
-            <a:off x="0" y="6432681"/>
+            <a:off x="0" y="6440919"/>
             <a:ext cx="12192000" cy="419099"/>
           </a:xfrm>
           <a:prstGeom prst="rect">
@@ -2054,7 +2054,7 @@
         </p:blipFill>
         <p:spPr>
           <a:xfrm>
-            <a:off x="79564" y="6456364"/>
+            <a:off x="79564" y="6472840"/>
             <a:ext cx="758636" cy="371732"/>
           </a:xfrm>
           <a:prstGeom prst="rect">
@@ -2223,7 +2223,7 @@
         </p:nvSpPr>
         <p:spPr>
           <a:xfrm>
-            <a:off x="0" y="6432681"/>
+            <a:off x="0" y="6440919"/>
             <a:ext cx="12192000" cy="419099"/>
           </a:xfrm>
           <a:prstGeom prst="rect">
@@ -2306,7 +2306,7 @@
       </p:sp>
       <p:pic>
         <p:nvPicPr>
-          <p:cNvPr id="7" name="그림 6"/>
+          <p:cNvPr id="9" name="그림 8"/>
           <p:cNvPicPr>
             <a:picLocks noChangeAspect="1"/>
           </p:cNvPicPr>
@@ -2326,7 +2326,7 @@
         </p:blipFill>
         <p:spPr>
           <a:xfrm>
-            <a:off x="79564" y="6456364"/>
+            <a:off x="79564" y="6472840"/>
             <a:ext cx="758636" cy="371732"/>
           </a:xfrm>
           <a:prstGeom prst="rect">

--- a/연구실_로고_PPT템플릿/[SIMPLE]_CryptoCraft Lab PPT 양식.pptx
+++ b/연구실_로고_PPT템플릿/[SIMPLE]_CryptoCraft Lab PPT 양식.pptx
@@ -14,7 +14,7 @@
   <p:sldIdLst>
     <p:sldId id="269" r:id="rId3"/>
     <p:sldId id="275" r:id="rId4"/>
-    <p:sldId id="271" r:id="rId5"/>
+    <p:sldId id="279" r:id="rId5"/>
     <p:sldId id="274" r:id="rId6"/>
   </p:sldIdLst>
   <p:sldSz cx="12192000" cy="6858000"/>
@@ -218,7 +218,7 @@
           <a:p>
             <a:fld id="{45546E7E-6CE1-4F62-BC39-1BE7148D0D0D}" type="datetimeFigureOut">
               <a:rPr lang="ko-KR" altLang="en-US" smtClean="0"/>
-              <a:t>2019-04-18</a:t>
+              <a:t>2019-04-19</a:t>
             </a:fld>
             <a:endParaRPr lang="ko-KR" altLang="en-US"/>
           </a:p>
@@ -383,7 +383,7 @@
           <a:p>
             <a:fld id="{6B8A1C54-2D0D-48EB-888A-9786B070F533}" type="datetimeFigureOut">
               <a:rPr lang="ko-KR" altLang="en-US" smtClean="0"/>
-              <a:t>2019-04-18</a:t>
+              <a:t>2019-04-19</a:t>
             </a:fld>
             <a:endParaRPr lang="ko-KR" altLang="en-US"/>
           </a:p>
@@ -746,6 +746,63 @@
           <a:lstStyle/>
           <a:p>
             <a:pPr algn="ctr"/>
+            <a:endParaRPr lang="ko-KR" altLang="en-US"/>
+          </a:p>
+        </p:txBody>
+      </p:sp>
+      <p:sp>
+        <p:nvSpPr>
+          <p:cNvPr id="9" name="텍스트 개체 틀 8"/>
+          <p:cNvSpPr>
+            <a:spLocks noGrp="1"/>
+          </p:cNvSpPr>
+          <p:nvPr>
+            <p:ph type="body" sz="quarter" idx="10"/>
+          </p:nvPr>
+        </p:nvSpPr>
+        <p:spPr>
+          <a:xfrm>
+            <a:off x="411163" y="1152525"/>
+            <a:ext cx="11369675" cy="5057775"/>
+          </a:xfrm>
+        </p:spPr>
+        <p:txBody>
+          <a:bodyPr/>
+          <a:lstStyle/>
+          <a:p>
+            <a:pPr lvl="0"/>
+            <a:r>
+              <a:rPr lang="ko-KR" altLang="en-US" smtClean="0"/>
+              <a:t>마스터 텍스트 스타일 편집</a:t>
+            </a:r>
+          </a:p>
+          <a:p>
+            <a:pPr lvl="1"/>
+            <a:r>
+              <a:rPr lang="ko-KR" altLang="en-US" smtClean="0"/>
+              <a:t>둘째 수준</a:t>
+            </a:r>
+          </a:p>
+          <a:p>
+            <a:pPr lvl="2"/>
+            <a:r>
+              <a:rPr lang="ko-KR" altLang="en-US" smtClean="0"/>
+              <a:t>셋째 수준</a:t>
+            </a:r>
+          </a:p>
+          <a:p>
+            <a:pPr lvl="3"/>
+            <a:r>
+              <a:rPr lang="ko-KR" altLang="en-US" smtClean="0"/>
+              <a:t>넷째 수준</a:t>
+            </a:r>
+          </a:p>
+          <a:p>
+            <a:pPr lvl="4"/>
+            <a:r>
+              <a:rPr lang="ko-KR" altLang="en-US" smtClean="0"/>
+              <a:t>다섯째 수준</a:t>
+            </a:r>
             <a:endParaRPr lang="ko-KR" altLang="en-US"/>
           </a:p>
         </p:txBody>
@@ -3392,7 +3449,7 @@
       </p:grpSpPr>
       <p:sp>
         <p:nvSpPr>
-          <p:cNvPr id="5" name="제목 4"/>
+          <p:cNvPr id="2" name="제목 1"/>
           <p:cNvSpPr>
             <a:spLocks noGrp="1"/>
           </p:cNvSpPr>
@@ -3409,23 +3466,35 @@
           </a:p>
         </p:txBody>
       </p:sp>
+      <p:sp>
+        <p:nvSpPr>
+          <p:cNvPr id="3" name="텍스트 개체 틀 2"/>
+          <p:cNvSpPr>
+            <a:spLocks noGrp="1"/>
+          </p:cNvSpPr>
+          <p:nvPr>
+            <p:ph type="body" sz="quarter" idx="10"/>
+          </p:nvPr>
+        </p:nvSpPr>
+        <p:spPr/>
+        <p:txBody>
+          <a:bodyPr/>
+          <a:lstStyle/>
+          <a:p>
+            <a:endParaRPr lang="ko-KR" altLang="en-US"/>
+          </a:p>
+        </p:txBody>
+      </p:sp>
     </p:spTree>
     <p:extLst>
       <p:ext uri="{BB962C8B-B14F-4D97-AF65-F5344CB8AC3E}">
-        <p14:creationId xmlns:p14="http://schemas.microsoft.com/office/powerpoint/2010/main" val="1867657457"/>
+        <p14:creationId xmlns:p14="http://schemas.microsoft.com/office/powerpoint/2010/main" val="4223246145"/>
       </p:ext>
     </p:extLst>
   </p:cSld>
   <p:clrMapOvr>
     <a:masterClrMapping/>
   </p:clrMapOvr>
-  <p:timing>
-    <p:tnLst>
-      <p:par>
-        <p:cTn id="1" dur="indefinite" restart="never" nodeType="tmRoot"/>
-      </p:par>
-    </p:tnLst>
-  </p:timing>
 </p:sld>
 </file>
 

--- a/연구실_로고_PPT템플릿/[SIMPLE]_CryptoCraft Lab PPT 양식.pptx
+++ b/연구실_로고_PPT템플릿/[SIMPLE]_CryptoCraft Lab PPT 양식.pptx
@@ -14,7 +14,7 @@
   <p:sldIdLst>
     <p:sldId id="269" r:id="rId3"/>
     <p:sldId id="275" r:id="rId4"/>
-    <p:sldId id="279" r:id="rId5"/>
+    <p:sldId id="280" r:id="rId5"/>
     <p:sldId id="274" r:id="rId6"/>
   </p:sldIdLst>
   <p:sldSz cx="12192000" cy="6858000"/>
@@ -680,7 +680,7 @@
         </p:nvSpPr>
         <p:spPr>
           <a:xfrm>
-            <a:off x="411920" y="207747"/>
+            <a:off x="411920" y="242122"/>
             <a:ext cx="11368160" cy="727788"/>
           </a:xfrm>
         </p:spPr>
@@ -3488,7 +3488,7 @@
     </p:spTree>
     <p:extLst>
       <p:ext uri="{BB962C8B-B14F-4D97-AF65-F5344CB8AC3E}">
-        <p14:creationId xmlns:p14="http://schemas.microsoft.com/office/powerpoint/2010/main" val="4223246145"/>
+        <p14:creationId xmlns:p14="http://schemas.microsoft.com/office/powerpoint/2010/main" val="20776081"/>
       </p:ext>
     </p:extLst>
   </p:cSld>

--- a/연구실_로고_PPT템플릿/[SIMPLE]_CryptoCraft Lab PPT 양식.pptx
+++ b/연구실_로고_PPT템플릿/[SIMPLE]_CryptoCraft Lab PPT 양식.pptx
@@ -680,8 +680,8 @@
         </p:nvSpPr>
         <p:spPr>
           <a:xfrm>
-            <a:off x="411920" y="242122"/>
-            <a:ext cx="11368160" cy="727788"/>
+            <a:off x="411920" y="207747"/>
+            <a:ext cx="11368160" cy="762163"/>
           </a:xfrm>
         </p:spPr>
         <p:txBody>

--- a/연구실_로고_PPT템플릿/[SIMPLE]_CryptoCraft Lab PPT 양식.pptx
+++ b/연구실_로고_PPT템플릿/[SIMPLE]_CryptoCraft Lab PPT 양식.pptx
@@ -218,7 +218,7 @@
           <a:p>
             <a:fld id="{45546E7E-6CE1-4F62-BC39-1BE7148D0D0D}" type="datetimeFigureOut">
               <a:rPr lang="ko-KR" altLang="en-US" smtClean="0"/>
-              <a:t>2019-04-19</a:t>
+              <a:t>2021-04-16</a:t>
             </a:fld>
             <a:endParaRPr lang="ko-KR" altLang="en-US"/>
           </a:p>
@@ -383,7 +383,7 @@
           <a:p>
             <a:fld id="{6B8A1C54-2D0D-48EB-888A-9786B070F533}" type="datetimeFigureOut">
               <a:rPr lang="ko-KR" altLang="en-US" smtClean="0"/>
-              <a:t>2019-04-19</a:t>
+              <a:t>2021-04-16</a:t>
             </a:fld>
             <a:endParaRPr lang="ko-KR" altLang="en-US"/>
           </a:p>
@@ -2015,19 +2015,20 @@
         </p:nvSpPr>
         <p:spPr>
           <a:xfrm>
-            <a:off x="4663011" y="2300370"/>
-            <a:ext cx="2865977" cy="1323439"/>
+            <a:off x="0" y="2300370"/>
+            <a:ext cx="12191999" cy="1323439"/>
           </a:xfrm>
           <a:prstGeom prst="rect">
             <a:avLst/>
           </a:prstGeom>
         </p:spPr>
         <p:txBody>
-          <a:bodyPr wrap="none">
+          <a:bodyPr wrap="square">
             <a:spAutoFit/>
           </a:bodyPr>
           <a:lstStyle/>
           <a:p>
+            <a:pPr algn="ctr"/>
             <a:r>
               <a:rPr lang="en-US" altLang="ko-KR" sz="8000" dirty="0" smtClean="0">
                 <a:latin typeface="+mj-lt"/>
